--- a/descriptive_statistics/descriptive_stats.pptx
+++ b/descriptive_statistics/descriptive_stats.pptx
@@ -46,7 +46,6 @@
     <p:sldId id="294" r:id="rId40"/>
     <p:sldId id="295" r:id="rId41"/>
     <p:sldId id="296" r:id="rId42"/>
-    <p:sldId id="297" r:id="rId43"/>
   </p:sldIdLst>
   <p:sldSz cx="12192000" cy="6858000"/>
   <p:notesSz cx="6858000" cy="9144000"/>
@@ -3314,15 +3313,15 @@
             </a:pPr>
             <a:r>
               <a:rPr/>
-              <a:t>08</a:t>
-            </a:r>
-            <a:r>
-              <a:rPr/>
-              <a:t> </a:t>
-            </a:r>
-            <a:r>
-              <a:rPr/>
-              <a:t>January</a:t>
+              <a:t>30</a:t>
+            </a:r>
+            <a:r>
+              <a:rPr/>
+              <a:t> </a:t>
+            </a:r>
+            <a:r>
+              <a:rPr/>
+              <a:t>April</a:t>
             </a:r>
             <a:r>
               <a:rPr/>
@@ -8032,9 +8031,9 @@
               <a:rPr sz="1800">
                 <a:latin typeface="Courier"/>
               </a:rPr>
-              <a:t>## {'normal': array([  1314.0900122 ,    195.34383563,  25135.95705104, ...,
-##        -17298.6486693 ,   6813.87149383, -16375.90889681]), 'lognormal': array([28551.28177716, 55348.79027248, 44183.99946235, ...,
-##        12221.28225576,  7869.89264355, 37439.5384024 ])}</a:t>
+              <a:t>## {'normal': array([-2753.56137706, -3530.05954557, -2581.20385236, ...,
+##         4660.45613346,  8116.60130481,  5148.71299717]), 'lognormal': array([38362.86948058, 12401.62259008, 29429.72456516, ...,
+##         3941.81105131, 21464.17994583, 29750.06804737])}</a:t>
             </a:r>
           </a:p>
           <a:p>
@@ -8298,16 +8297,16 @@
                 <a:latin typeface="Courier"/>
               </a:rPr>
               <a:t>##          normal     lognormal
-## 0   1314.090012  28551.281777
-## 1    195.343836  55348.790272
-## 2  25135.957051  44183.999462
-## 3   3255.216938   6384.297271
-## 4   -784.807298   5051.660669
-## 5   6142.461554  63948.783707
-## 6  -7715.000079  20129.411928
-## 7  -2857.794677  45008.321252
-## 8   3644.349437  32198.066925
-## 9  12682.566722  34493.857155</a:t>
+## 0  -2753.561377  38362.869481
+## 1  -3530.059546  12401.622590
+## 2  -2581.203852  29429.724565
+## 3 -12236.113785  28986.862027
+## 4  -3576.438607   9898.431469
+## 5   6354.687831  11805.774712
+## 6 -19715.135945  10539.558166
+## 7    406.195154  15187.676857
+## 8  -7431.298041  11831.884409
+## 9  14828.261863  20689.707621</a:t>
             </a:r>
           </a:p>
         </p:txBody>
@@ -10196,7 +10195,7 @@
               <a:rPr sz="1800">
                 <a:latin typeface="Courier"/>
               </a:rPr>
-              <a:t>## &lt;seaborn.axisgrid.JointGrid object at 0x0000000036292A48&gt;</a:t>
+              <a:t>## &lt;seaborn.axisgrid.JointGrid object at 0x0000000036547438&gt;</a:t>
             </a:r>
           </a:p>
           <a:p>
@@ -10866,83 +10865,11 @@
                   </m:oMathPara>
                 </a14:m>
               </a:p>
-            </p:txBody>
-          </p:sp>
-        </mc:Choice>
-      </mc:AlternateContent>
-    </p:spTree>
-  </p:cSld>
-</p:sld>
-</file>
-
-<file path=ppt/slides/slide35.xml><?xml version="1.0" encoding="utf-8"?>
-<p:sld xmlns:a="http://schemas.openxmlformats.org/drawingml/2006/main" xmlns:r="http://schemas.openxmlformats.org/officeDocument/2006/relationships" xmlns:p="http://schemas.openxmlformats.org/presentationml/2006/main">
-  <p:cSld>
-    <p:spTree>
-      <p:nvGrpSpPr>
-        <p:cNvPr id="1" name=""/>
-        <p:cNvGrpSpPr/>
-        <p:nvPr/>
-      </p:nvGrpSpPr>
-      <p:grpSpPr>
-        <a:xfrm>
-          <a:off x="0" y="0"/>
-          <a:ext cx="0" cy="0"/>
-          <a:chOff x="0" y="0"/>
-          <a:chExt cx="0" cy="0"/>
-        </a:xfrm>
-      </p:grpSpPr>
-      <p:sp>
-        <p:nvSpPr>
-          <p:cNvPr id="2" name="Title 1"/>
-          <p:cNvSpPr>
-            <a:spLocks noGrp="1"/>
-          </p:cNvSpPr>
-          <p:nvPr>
-            <p:ph type="title"/>
-          </p:nvPr>
-        </p:nvSpPr>
-        <p:spPr>
-          <a:xfrm>
-            <a:off x="0" y="1173"/>
-            <a:ext cx="12192000" cy="921773"/>
-          </a:xfrm>
-        </p:spPr>
-        <p:txBody>
-          <a:bodyPr/>
-          <a:lstStyle/>
-          <a:p>
-            <a:pPr lvl="0" marL="0" indent="0">
-              <a:buNone/>
-            </a:pPr>
-            <a:r>
-              <a:rPr/>
-              <a:t>Z-Score</a:t>
-            </a:r>
-          </a:p>
-        </p:txBody>
-      </p:sp>
-      <mc:AlternateContent xmlns:mc="http://schemas.openxmlformats.org/markup-compatibility/2006">
-        <mc:Choice xmlns:a14="http://schemas.microsoft.com/office/drawing/2010/main" Requires="a14">
-          <p:sp>
-            <p:nvSpPr>
-              <p:cNvPr id="3" name="Content Placeholder 2"/>
-              <p:cNvSpPr>
-                <a:spLocks noGrp="1"/>
-              </p:cNvSpPr>
-              <p:nvPr>
-                <p:ph idx="1"/>
-              </p:nvPr>
-            </p:nvSpPr>
-            <p:spPr/>
-            <p:txBody>
-              <a:bodyPr/>
-              <a:lstStyle/>
               <a:p>
                 <a:pPr lvl="1"/>
                 <a:r>
                   <a:rPr/>
-                  <a:t>If you’re comparing multiple samples that may contain a different number of elements, the Z-score for each sample is computed as</a:t>
+                  <a:t>When comparing multiple samples that may contain a different number of elements, the Z-score for each sample is computed as</a:t>
                 </a:r>
               </a:p>
               <a:p>
@@ -11034,28 +10961,197 @@
                   </m:oMathPara>
                 </a14:m>
               </a:p>
-              <a:p>
-                <a:pPr lvl="1"/>
-                <a:r>
-                  <a:rPr/>
-                  <a:t>Where the </a:t>
-                </a:r>
-                <a14:m>
-                  <m:oMath xmlns:m="http://schemas.openxmlformats.org/officeDocument/2006/math">
-                    <m:r>
-                      <m:t>n</m:t>
-                    </m:r>
-                  </m:oMath>
-                </a14:m>
-                <a:r>
-                  <a:rPr/>
-                  <a:t> term is used to account for potentially different sample sizes</a:t>
-                </a:r>
-              </a:p>
             </p:txBody>
           </p:sp>
         </mc:Choice>
       </mc:AlternateContent>
+    </p:spTree>
+  </p:cSld>
+</p:sld>
+</file>
+
+<file path=ppt/slides/slide35.xml><?xml version="1.0" encoding="utf-8"?>
+<p:sld xmlns:a="http://schemas.openxmlformats.org/drawingml/2006/main" xmlns:r="http://schemas.openxmlformats.org/officeDocument/2006/relationships" xmlns:p="http://schemas.openxmlformats.org/presentationml/2006/main">
+  <p:cSld>
+    <p:spTree>
+      <p:nvGrpSpPr>
+        <p:cNvPr id="1" name=""/>
+        <p:cNvGrpSpPr/>
+        <p:nvPr/>
+      </p:nvGrpSpPr>
+      <p:grpSpPr>
+        <a:xfrm>
+          <a:off x="0" y="0"/>
+          <a:ext cx="0" cy="0"/>
+          <a:chOff x="0" y="0"/>
+          <a:chExt cx="0" cy="0"/>
+        </a:xfrm>
+      </p:grpSpPr>
+      <p:sp>
+        <p:nvSpPr>
+          <p:cNvPr id="2" name="Title 1"/>
+          <p:cNvSpPr>
+            <a:spLocks noGrp="1"/>
+          </p:cNvSpPr>
+          <p:nvPr>
+            <p:ph type="title"/>
+          </p:nvPr>
+        </p:nvSpPr>
+        <p:spPr>
+          <a:xfrm>
+            <a:off x="0" y="1173"/>
+            <a:ext cx="12192000" cy="921773"/>
+          </a:xfrm>
+        </p:spPr>
+        <p:txBody>
+          <a:bodyPr/>
+          <a:lstStyle/>
+          <a:p>
+            <a:pPr lvl="0" marL="0" indent="0">
+              <a:buNone/>
+            </a:pPr>
+            <a:r>
+              <a:rPr/>
+              <a:t>z-score</a:t>
+            </a:r>
+          </a:p>
+        </p:txBody>
+      </p:sp>
+      <p:sp>
+        <p:nvSpPr>
+          <p:cNvPr id="3" name="Content Placeholder 2"/>
+          <p:cNvSpPr>
+            <a:spLocks noGrp="1"/>
+          </p:cNvSpPr>
+          <p:nvPr>
+            <p:ph idx="1"/>
+          </p:nvPr>
+        </p:nvSpPr>
+        <p:spPr/>
+        <p:txBody>
+          <a:bodyPr/>
+          <a:lstStyle/>
+          <a:p>
+            <a:pPr lvl="1"/>
+            <a:r>
+              <a:rPr/>
+              <a:t>In Python we can compute the z-score for the normally distributed data using the </a:t>
+            </a:r>
+            <a:r>
+              <a:rPr sz="1800">
+                <a:latin typeface="Courier"/>
+              </a:rPr>
+              <a:t>zscore()</a:t>
+            </a:r>
+            <a:r>
+              <a:rPr/>
+              <a:t> function from scipy</a:t>
+            </a:r>
+          </a:p>
+          <a:p>
+            <a:pPr lvl="0" marL="1270000" indent="0">
+              <a:buNone/>
+            </a:pPr>
+            <a:r>
+              <a:rPr sz="1800">
+                <a:latin typeface="Courier"/>
+              </a:rPr>
+              <a:t>z1 </a:t>
+            </a:r>
+            <a:r>
+              <a:rPr sz="1800">
+                <a:solidFill>
+                  <a:srgbClr val="666666"/>
+                </a:solidFill>
+                <a:latin typeface="Courier"/>
+              </a:rPr>
+              <a:t>=</a:t>
+            </a:r>
+            <a:r>
+              <a:rPr sz="1800">
+                <a:latin typeface="Courier"/>
+              </a:rPr>
+              <a:t> sp.stats.zscore(df[</a:t>
+            </a:r>
+            <a:r>
+              <a:rPr sz="1800">
+                <a:solidFill>
+                  <a:srgbClr val="4070A0"/>
+                </a:solidFill>
+                <a:latin typeface="Courier"/>
+              </a:rPr>
+              <a:t>'normal'</a:t>
+            </a:r>
+            <a:r>
+              <a:rPr sz="1800">
+                <a:latin typeface="Courier"/>
+              </a:rPr>
+              <a:t>])</a:t>
+            </a:r>
+            <a:br/>
+            <a:br/>
+            <a:r>
+              <a:rPr sz="1800" i="1">
+                <a:solidFill>
+                  <a:srgbClr val="60A0B0"/>
+                </a:solidFill>
+                <a:latin typeface="Courier"/>
+              </a:rPr>
+              <a:t># Print first 10 elements in z1</a:t>
+            </a:r>
+            <a:br/>
+            <a:br/>
+            <a:r>
+              <a:rPr sz="1800">
+                <a:latin typeface="Courier"/>
+              </a:rPr>
+              <a:t>z1[</a:t>
+            </a:r>
+            <a:r>
+              <a:rPr sz="1800">
+                <a:solidFill>
+                  <a:srgbClr val="40A070"/>
+                </a:solidFill>
+                <a:latin typeface="Courier"/>
+              </a:rPr>
+              <a:t>0</a:t>
+            </a:r>
+            <a:r>
+              <a:rPr sz="1800">
+                <a:latin typeface="Courier"/>
+              </a:rPr>
+              <a:t>:</a:t>
+            </a:r>
+            <a:r>
+              <a:rPr sz="1800">
+                <a:solidFill>
+                  <a:srgbClr val="40A070"/>
+                </a:solidFill>
+                <a:latin typeface="Courier"/>
+              </a:rPr>
+              <a:t>9</a:t>
+            </a:r>
+            <a:r>
+              <a:rPr sz="1800">
+                <a:latin typeface="Courier"/>
+              </a:rPr>
+              <a:t>]</a:t>
+            </a:r>
+          </a:p>
+          <a:p>
+            <a:pPr lvl="0" marL="1270000" indent="0">
+              <a:buNone/>
+            </a:pPr>
+            <a:r>
+              <a:rPr sz="1800">
+                <a:latin typeface="Courier"/>
+              </a:rPr>
+              <a:t>## array([-0.2724844 , -0.35186119, -0.25486531, -1.24182932, -0.35660224,
+##         0.65859774, -2.00636527,  0.05051872, -0.75066159])</a:t>
+            </a:r>
+          </a:p>
+        </p:txBody>
+      </p:sp>
     </p:spTree>
   </p:cSld>
 </p:sld>
@@ -11126,17 +11222,17 @@
             <a:pPr lvl="1"/>
             <a:r>
               <a:rPr/>
-              <a:t>In Python we can compute the z-score for the normally distributed data using the </a:t>
-            </a:r>
-            <a:r>
-              <a:rPr sz="1800">
-                <a:latin typeface="Courier"/>
-              </a:rPr>
-              <a:t>zscore()</a:t>
-            </a:r>
-            <a:r>
-              <a:rPr/>
-              <a:t> function from scipy</a:t>
+              <a:t>Or we can compute it using </a:t>
+            </a:r>
+            <a:r>
+              <a:rPr sz="1800">
+                <a:latin typeface="Courier"/>
+              </a:rPr>
+              <a:t>pandas</a:t>
+            </a:r>
+            <a:r>
+              <a:rPr/>
+              <a:t> functions</a:t>
             </a:r>
           </a:p>
           <a:p>
@@ -11147,7 +11243,22 @@
               <a:rPr sz="1800">
                 <a:latin typeface="Courier"/>
               </a:rPr>
-              <a:t>z1 </a:t>
+              <a:t>(df[</a:t>
+            </a:r>
+            <a:r>
+              <a:rPr sz="1800">
+                <a:solidFill>
+                  <a:srgbClr val="4070A0"/>
+                </a:solidFill>
+                <a:latin typeface="Courier"/>
+              </a:rPr>
+              <a:t>'normal'</a:t>
+            </a:r>
+            <a:r>
+              <a:rPr sz="1800">
+                <a:latin typeface="Courier"/>
+              </a:rPr>
+              <a:t>] </a:t>
             </a:r>
             <a:r>
               <a:rPr sz="1800">
@@ -11156,13 +11267,13 @@
                 </a:solidFill>
                 <a:latin typeface="Courier"/>
               </a:rPr>
-              <a:t>=</a:t>
-            </a:r>
-            <a:r>
-              <a:rPr sz="1800">
-                <a:latin typeface="Courier"/>
-              </a:rPr>
-              <a:t> sp.stats.zscore(df[</a:t>
+              <a:t>-</a:t>
+            </a:r>
+            <a:r>
+              <a:rPr sz="1800">
+                <a:latin typeface="Courier"/>
+              </a:rPr>
+              <a:t> df[</a:t>
             </a:r>
             <a:r>
               <a:rPr sz="1800">
@@ -11177,56 +11288,37 @@
               <a:rPr sz="1800">
                 <a:latin typeface="Courier"/>
               </a:rPr>
-              <a:t>])</a:t>
-            </a:r>
-            <a:br/>
-            <a:br/>
-            <a:r>
-              <a:rPr sz="1800" i="1">
-                <a:solidFill>
-                  <a:srgbClr val="60A0B0"/>
-                </a:solidFill>
-                <a:latin typeface="Courier"/>
-              </a:rPr>
-              <a:t># Print first 10 elements in z1</a:t>
-            </a:r>
-            <a:br/>
-            <a:br/>
-            <a:r>
-              <a:rPr sz="1800">
-                <a:latin typeface="Courier"/>
-              </a:rPr>
-              <a:t>z1[</a:t>
-            </a:r>
-            <a:r>
-              <a:rPr sz="1800">
-                <a:solidFill>
-                  <a:srgbClr val="40A070"/>
-                </a:solidFill>
-                <a:latin typeface="Courier"/>
-              </a:rPr>
-              <a:t>0</a:t>
-            </a:r>
-            <a:r>
-              <a:rPr sz="1800">
-                <a:latin typeface="Courier"/>
-              </a:rPr>
-              <a:t>:</a:t>
-            </a:r>
-            <a:r>
-              <a:rPr sz="1800">
-                <a:solidFill>
-                  <a:srgbClr val="40A070"/>
-                </a:solidFill>
-                <a:latin typeface="Courier"/>
-              </a:rPr>
-              <a:t>9</a:t>
-            </a:r>
-            <a:r>
-              <a:rPr sz="1800">
-                <a:latin typeface="Courier"/>
-              </a:rPr>
-              <a:t>]</a:t>
+              <a:t>].mean()) </a:t>
+            </a:r>
+            <a:r>
+              <a:rPr sz="1800">
+                <a:solidFill>
+                  <a:srgbClr val="666666"/>
+                </a:solidFill>
+                <a:latin typeface="Courier"/>
+              </a:rPr>
+              <a:t>/</a:t>
+            </a:r>
+            <a:r>
+              <a:rPr sz="1800">
+                <a:latin typeface="Courier"/>
+              </a:rPr>
+              <a:t> df[</a:t>
+            </a:r>
+            <a:r>
+              <a:rPr sz="1800">
+                <a:solidFill>
+                  <a:srgbClr val="4070A0"/>
+                </a:solidFill>
+                <a:latin typeface="Courier"/>
+              </a:rPr>
+              <a:t>'normal'</a:t>
+            </a:r>
+            <a:r>
+              <a:rPr sz="1800">
+                <a:latin typeface="Courier"/>
+              </a:rPr>
+              <a:t>].std()</a:t>
             </a:r>
           </a:p>
           <a:p>
@@ -11237,8 +11329,18 @@
               <a:rPr sz="1800">
                 <a:latin typeface="Courier"/>
               </a:rPr>
-              <a:t>## array([ 0.10782604, -0.00644843,  2.54111351,  0.30610268, -0.10656608,
-##         0.60102063, -0.81445146, -0.31831163,  0.34585066])</a:t>
+              <a:t>## 0      -0.272450
+## 1      -0.351817
+## 2      -0.254833
+## 3      -1.241674
+## 4      -0.356558
+##           ...   
+## 3995   -0.203047
+## 3996    0.576894
+## 3997    0.485346
+## 3998    0.838603
+## 3999    0.535251
+## Name: normal, Length: 4000, dtype: float64</a:t>
             </a:r>
           </a:p>
         </p:txBody>
@@ -11249,199 +11351,6 @@
 </file>
 
 <file path=ppt/slides/slide37.xml><?xml version="1.0" encoding="utf-8"?>
-<p:sld xmlns:a="http://schemas.openxmlformats.org/drawingml/2006/main" xmlns:r="http://schemas.openxmlformats.org/officeDocument/2006/relationships" xmlns:p="http://schemas.openxmlformats.org/presentationml/2006/main">
-  <p:cSld>
-    <p:spTree>
-      <p:nvGrpSpPr>
-        <p:cNvPr id="1" name=""/>
-        <p:cNvGrpSpPr/>
-        <p:nvPr/>
-      </p:nvGrpSpPr>
-      <p:grpSpPr>
-        <a:xfrm>
-          <a:off x="0" y="0"/>
-          <a:ext cx="0" cy="0"/>
-          <a:chOff x="0" y="0"/>
-          <a:chExt cx="0" cy="0"/>
-        </a:xfrm>
-      </p:grpSpPr>
-      <p:sp>
-        <p:nvSpPr>
-          <p:cNvPr id="2" name="Title 1"/>
-          <p:cNvSpPr>
-            <a:spLocks noGrp="1"/>
-          </p:cNvSpPr>
-          <p:nvPr>
-            <p:ph type="title"/>
-          </p:nvPr>
-        </p:nvSpPr>
-        <p:spPr>
-          <a:xfrm>
-            <a:off x="0" y="1173"/>
-            <a:ext cx="12192000" cy="921773"/>
-          </a:xfrm>
-        </p:spPr>
-        <p:txBody>
-          <a:bodyPr/>
-          <a:lstStyle/>
-          <a:p>
-            <a:pPr lvl="0" marL="0" indent="0">
-              <a:buNone/>
-            </a:pPr>
-            <a:r>
-              <a:rPr/>
-              <a:t>z-score</a:t>
-            </a:r>
-          </a:p>
-        </p:txBody>
-      </p:sp>
-      <p:sp>
-        <p:nvSpPr>
-          <p:cNvPr id="3" name="Content Placeholder 2"/>
-          <p:cNvSpPr>
-            <a:spLocks noGrp="1"/>
-          </p:cNvSpPr>
-          <p:nvPr>
-            <p:ph idx="1"/>
-          </p:nvPr>
-        </p:nvSpPr>
-        <p:spPr/>
-        <p:txBody>
-          <a:bodyPr/>
-          <a:lstStyle/>
-          <a:p>
-            <a:pPr lvl="1"/>
-            <a:r>
-              <a:rPr/>
-              <a:t>Or we can compute it using </a:t>
-            </a:r>
-            <a:r>
-              <a:rPr sz="1800">
-                <a:latin typeface="Courier"/>
-              </a:rPr>
-              <a:t>pandas</a:t>
-            </a:r>
-            <a:r>
-              <a:rPr/>
-              <a:t> functions</a:t>
-            </a:r>
-          </a:p>
-          <a:p>
-            <a:pPr lvl="0" marL="1270000" indent="0">
-              <a:buNone/>
-            </a:pPr>
-            <a:r>
-              <a:rPr sz="1800">
-                <a:latin typeface="Courier"/>
-              </a:rPr>
-              <a:t>(df[</a:t>
-            </a:r>
-            <a:r>
-              <a:rPr sz="1800">
-                <a:solidFill>
-                  <a:srgbClr val="4070A0"/>
-                </a:solidFill>
-                <a:latin typeface="Courier"/>
-              </a:rPr>
-              <a:t>'normal'</a:t>
-            </a:r>
-            <a:r>
-              <a:rPr sz="1800">
-                <a:latin typeface="Courier"/>
-              </a:rPr>
-              <a:t>] </a:t>
-            </a:r>
-            <a:r>
-              <a:rPr sz="1800">
-                <a:solidFill>
-                  <a:srgbClr val="666666"/>
-                </a:solidFill>
-                <a:latin typeface="Courier"/>
-              </a:rPr>
-              <a:t>-</a:t>
-            </a:r>
-            <a:r>
-              <a:rPr sz="1800">
-                <a:latin typeface="Courier"/>
-              </a:rPr>
-              <a:t> df[</a:t>
-            </a:r>
-            <a:r>
-              <a:rPr sz="1800">
-                <a:solidFill>
-                  <a:srgbClr val="4070A0"/>
-                </a:solidFill>
-                <a:latin typeface="Courier"/>
-              </a:rPr>
-              <a:t>'normal'</a:t>
-            </a:r>
-            <a:r>
-              <a:rPr sz="1800">
-                <a:latin typeface="Courier"/>
-              </a:rPr>
-              <a:t>].mean()) </a:t>
-            </a:r>
-            <a:r>
-              <a:rPr sz="1800">
-                <a:solidFill>
-                  <a:srgbClr val="666666"/>
-                </a:solidFill>
-                <a:latin typeface="Courier"/>
-              </a:rPr>
-              <a:t>/</a:t>
-            </a:r>
-            <a:r>
-              <a:rPr sz="1800">
-                <a:latin typeface="Courier"/>
-              </a:rPr>
-              <a:t> df[</a:t>
-            </a:r>
-            <a:r>
-              <a:rPr sz="1800">
-                <a:solidFill>
-                  <a:srgbClr val="4070A0"/>
-                </a:solidFill>
-                <a:latin typeface="Courier"/>
-              </a:rPr>
-              <a:t>'normal'</a:t>
-            </a:r>
-            <a:r>
-              <a:rPr sz="1800">
-                <a:latin typeface="Courier"/>
-              </a:rPr>
-              <a:t>].std()</a:t>
-            </a:r>
-          </a:p>
-          <a:p>
-            <a:pPr lvl="0" marL="1270000" indent="0">
-              <a:buNone/>
-            </a:pPr>
-            <a:r>
-              <a:rPr sz="1800">
-                <a:latin typeface="Courier"/>
-              </a:rPr>
-              <a:t>## 0       0.107813
-## 1      -0.006448
-## 2       2.540796
-## 3       0.306064
-## 4      -0.106553
-##           ...   
-## 3995    1.730497
-## 3996   -1.282631
-## 3997   -1.793150
-## 3998    0.669518
-## 3999   -1.698909
-## Name: normal, Length: 4000, dtype: float64</a:t>
-            </a:r>
-          </a:p>
-        </p:txBody>
-      </p:sp>
-    </p:spTree>
-  </p:cSld>
-</p:sld>
-</file>
-
-<file path=ppt/slides/slide38.xml><?xml version="1.0" encoding="utf-8"?>
 <p:sld xmlns:a="http://schemas.openxmlformats.org/drawingml/2006/main" xmlns:r="http://schemas.openxmlformats.org/officeDocument/2006/relationships" xmlns:p="http://schemas.openxmlformats.org/presentationml/2006/main">
   <p:cSld>
     <p:spTree>
@@ -11819,12 +11728,6 @@
                           <m:r>
                             <m:t>N</m:t>
                           </m:r>
-                          <m:r>
-                            <m:t>−</m:t>
-                          </m:r>
-                          <m:r>
-                            <m:t>1</m:t>
-                          </m:r>
                         </m:den>
                       </m:f>
                     </m:oMath>
@@ -11840,7 +11743,7 @@
 </p:sld>
 </file>
 
-<file path=ppt/slides/slide39.xml><?xml version="1.0" encoding="utf-8"?>
+<file path=ppt/slides/slide38.xml><?xml version="1.0" encoding="utf-8"?>
 <p:sld xmlns:a="http://schemas.openxmlformats.org/drawingml/2006/main" xmlns:r="http://schemas.openxmlformats.org/officeDocument/2006/relationships" xmlns:p="http://schemas.openxmlformats.org/presentationml/2006/main">
   <p:cSld>
     <p:spTree>
@@ -11970,8 +11873,8 @@
                 <a:latin typeface="Courier"/>
               </a:rPr>
               <a:t>##                  normal     lognormal
-## normal     9.586793e+07  4.206186e+06
-## lognormal  4.206186e+06  6.203347e+08</a:t>
+## normal     9.571994e+07  1.703904e+06
+## lognormal  1.703904e+06  7.365000e+08</a:t>
             </a:r>
           </a:p>
         </p:txBody>
@@ -11981,203 +11884,7 @@
 </p:sld>
 </file>
 
-<file path=ppt/slides/slide4.xml><?xml version="1.0" encoding="utf-8"?>
-<p:sld xmlns:a="http://schemas.openxmlformats.org/drawingml/2006/main" xmlns:r="http://schemas.openxmlformats.org/officeDocument/2006/relationships" xmlns:p="http://schemas.openxmlformats.org/presentationml/2006/main">
-  <p:cSld>
-    <p:spTree>
-      <p:nvGrpSpPr>
-        <p:cNvPr id="1" name=""/>
-        <p:cNvGrpSpPr/>
-        <p:nvPr/>
-      </p:nvGrpSpPr>
-      <p:grpSpPr>
-        <a:xfrm>
-          <a:off x="0" y="0"/>
-          <a:ext cx="0" cy="0"/>
-          <a:chOff x="0" y="0"/>
-          <a:chExt cx="0" cy="0"/>
-        </a:xfrm>
-      </p:grpSpPr>
-      <p:sp>
-        <p:nvSpPr>
-          <p:cNvPr id="2" name="Title 1"/>
-          <p:cNvSpPr>
-            <a:spLocks noGrp="1"/>
-          </p:cNvSpPr>
-          <p:nvPr>
-            <p:ph type="title"/>
-          </p:nvPr>
-        </p:nvSpPr>
-        <p:spPr>
-          <a:xfrm>
-            <a:off x="0" y="1173"/>
-            <a:ext cx="12192000" cy="921773"/>
-          </a:xfrm>
-        </p:spPr>
-        <p:txBody>
-          <a:bodyPr/>
-          <a:lstStyle/>
-          <a:p>
-            <a:pPr lvl="0" marL="0" indent="0">
-              <a:buNone/>
-            </a:pPr>
-            <a:r>
-              <a:rPr/>
-              <a:t>Distinguishing</a:t>
-            </a:r>
-            <a:r>
-              <a:rPr/>
-              <a:t> </a:t>
-            </a:r>
-            <a:r>
-              <a:rPr/>
-              <a:t>between</a:t>
-            </a:r>
-            <a:r>
-              <a:rPr/>
-              <a:t> </a:t>
-            </a:r>
-            <a:r>
-              <a:rPr b="1"/>
-              <a:t>S</a:t>
-            </a:r>
-            <a:r>
-              <a:rPr/>
-              <a:t>tatistics</a:t>
-            </a:r>
-            <a:r>
-              <a:rPr/>
-              <a:t> </a:t>
-            </a:r>
-            <a:r>
-              <a:rPr/>
-              <a:t>and</a:t>
-            </a:r>
-            <a:r>
-              <a:rPr/>
-              <a:t> </a:t>
-            </a:r>
-            <a:r>
-              <a:rPr b="1"/>
-              <a:t>s</a:t>
-            </a:r>
-            <a:r>
-              <a:rPr/>
-              <a:t>tatistics</a:t>
-            </a:r>
-          </a:p>
-        </p:txBody>
-      </p:sp>
-      <p:sp>
-        <p:nvSpPr>
-          <p:cNvPr id="3" name="Content Placeholder 2"/>
-          <p:cNvSpPr>
-            <a:spLocks noGrp="1"/>
-          </p:cNvSpPr>
-          <p:nvPr>
-            <p:ph idx="1"/>
-          </p:nvPr>
-        </p:nvSpPr>
-        <p:spPr/>
-        <p:txBody>
-          <a:bodyPr/>
-          <a:lstStyle/>
-          <a:p>
-            <a:pPr lvl="1"/>
-            <a:r>
-              <a:rPr/>
-              <a:t>Before moving forward we need to make a clear distinction between </a:t>
-            </a:r>
-            <a:r>
-              <a:rPr b="1"/>
-              <a:t>S</a:t>
-            </a:r>
-            <a:r>
-              <a:rPr/>
-              <a:t>tatistics (big S) and </a:t>
-            </a:r>
-            <a:r>
-              <a:rPr b="1"/>
-              <a:t>s</a:t>
-            </a:r>
-            <a:r>
-              <a:rPr/>
-              <a:t>tatistics (little s)</a:t>
-            </a:r>
-          </a:p>
-          <a:p>
-            <a:pPr lvl="2"/>
-            <a:r>
-              <a:rPr b="1"/>
-              <a:t>S</a:t>
-            </a:r>
-            <a:r>
-              <a:rPr/>
-              <a:t>tatistics (big S) is a sub-field of applied mathematics and is concerned with analyzing data</a:t>
-            </a:r>
-          </a:p>
-          <a:p>
-            <a:pPr lvl="2"/>
-            <a:r>
-              <a:rPr b="1"/>
-              <a:t>s</a:t>
-            </a:r>
-            <a:r>
-              <a:rPr/>
-              <a:t>tatistics (little s) are numerical quantities calculated from a data set that provide important features about the data</a:t>
-            </a:r>
-          </a:p>
-          <a:p>
-            <a:pPr lvl="1"/>
-            <a:r>
-              <a:rPr/>
-              <a:t>In this presentation we define a number of descriptive </a:t>
-            </a:r>
-            <a:r>
-              <a:rPr b="1"/>
-              <a:t>s</a:t>
-            </a:r>
-            <a:r>
-              <a:rPr/>
-              <a:t>tatistics (little s)</a:t>
-            </a:r>
-          </a:p>
-          <a:p>
-            <a:pPr lvl="2"/>
-            <a:r>
-              <a:rPr/>
-              <a:t>Explain what important features they provide to help us understand our data</a:t>
-            </a:r>
-          </a:p>
-          <a:p>
-            <a:pPr lvl="2"/>
-            <a:r>
-              <a:rPr/>
-              <a:t>Show how they are calculated</a:t>
-            </a:r>
-          </a:p>
-          <a:p>
-            <a:pPr lvl="2"/>
-            <a:r>
-              <a:rPr/>
-              <a:t>Demonstrate how to compute them using Python</a:t>
-            </a:r>
-          </a:p>
-          <a:p>
-            <a:pPr lvl="1"/>
-            <a:r>
-              <a:rPr/>
-              <a:t>The big idea is that descriptive statistics allow us to reduce large data sets down to a few numerical measures - these measures give clues as to how to proceed in an analysis</a:t>
-            </a:r>
-          </a:p>
-        </p:txBody>
-      </p:sp>
-    </p:spTree>
-  </p:cSld>
-</p:sld>
-</file>
-
-<file path=ppt/slides/slide40.xml><?xml version="1.0" encoding="utf-8"?>
+<file path=ppt/slides/slide39.xml><?xml version="1.0" encoding="utf-8"?>
 <p:sld xmlns:a="http://schemas.openxmlformats.org/drawingml/2006/main" xmlns:r="http://schemas.openxmlformats.org/officeDocument/2006/relationships" xmlns:p="http://schemas.openxmlformats.org/presentationml/2006/main">
   <p:cSld>
     <p:spTree>
@@ -12419,6 +12126,321 @@
 </p:sld>
 </file>
 
+<file path=ppt/slides/slide4.xml><?xml version="1.0" encoding="utf-8"?>
+<p:sld xmlns:a="http://schemas.openxmlformats.org/drawingml/2006/main" xmlns:r="http://schemas.openxmlformats.org/officeDocument/2006/relationships" xmlns:p="http://schemas.openxmlformats.org/presentationml/2006/main">
+  <p:cSld>
+    <p:spTree>
+      <p:nvGrpSpPr>
+        <p:cNvPr id="1" name=""/>
+        <p:cNvGrpSpPr/>
+        <p:nvPr/>
+      </p:nvGrpSpPr>
+      <p:grpSpPr>
+        <a:xfrm>
+          <a:off x="0" y="0"/>
+          <a:ext cx="0" cy="0"/>
+          <a:chOff x="0" y="0"/>
+          <a:chExt cx="0" cy="0"/>
+        </a:xfrm>
+      </p:grpSpPr>
+      <p:sp>
+        <p:nvSpPr>
+          <p:cNvPr id="2" name="Title 1"/>
+          <p:cNvSpPr>
+            <a:spLocks noGrp="1"/>
+          </p:cNvSpPr>
+          <p:nvPr>
+            <p:ph type="title"/>
+          </p:nvPr>
+        </p:nvSpPr>
+        <p:spPr>
+          <a:xfrm>
+            <a:off x="0" y="1173"/>
+            <a:ext cx="12192000" cy="921773"/>
+          </a:xfrm>
+        </p:spPr>
+        <p:txBody>
+          <a:bodyPr/>
+          <a:lstStyle/>
+          <a:p>
+            <a:pPr lvl="0" marL="0" indent="0">
+              <a:buNone/>
+            </a:pPr>
+            <a:r>
+              <a:rPr/>
+              <a:t>Distinguishing</a:t>
+            </a:r>
+            <a:r>
+              <a:rPr/>
+              <a:t> </a:t>
+            </a:r>
+            <a:r>
+              <a:rPr/>
+              <a:t>between</a:t>
+            </a:r>
+            <a:r>
+              <a:rPr/>
+              <a:t> </a:t>
+            </a:r>
+            <a:r>
+              <a:rPr b="1"/>
+              <a:t>S</a:t>
+            </a:r>
+            <a:r>
+              <a:rPr/>
+              <a:t>tatistics</a:t>
+            </a:r>
+            <a:r>
+              <a:rPr/>
+              <a:t> </a:t>
+            </a:r>
+            <a:r>
+              <a:rPr/>
+              <a:t>and</a:t>
+            </a:r>
+            <a:r>
+              <a:rPr/>
+              <a:t> </a:t>
+            </a:r>
+            <a:r>
+              <a:rPr b="1"/>
+              <a:t>s</a:t>
+            </a:r>
+            <a:r>
+              <a:rPr/>
+              <a:t>tatistics</a:t>
+            </a:r>
+          </a:p>
+        </p:txBody>
+      </p:sp>
+      <p:sp>
+        <p:nvSpPr>
+          <p:cNvPr id="3" name="Content Placeholder 2"/>
+          <p:cNvSpPr>
+            <a:spLocks noGrp="1"/>
+          </p:cNvSpPr>
+          <p:nvPr>
+            <p:ph idx="1"/>
+          </p:nvPr>
+        </p:nvSpPr>
+        <p:spPr/>
+        <p:txBody>
+          <a:bodyPr/>
+          <a:lstStyle/>
+          <a:p>
+            <a:pPr lvl="1"/>
+            <a:r>
+              <a:rPr/>
+              <a:t>Before moving forward we need to make a clear distinction between </a:t>
+            </a:r>
+            <a:r>
+              <a:rPr b="1"/>
+              <a:t>S</a:t>
+            </a:r>
+            <a:r>
+              <a:rPr/>
+              <a:t>tatistics (big S) and </a:t>
+            </a:r>
+            <a:r>
+              <a:rPr b="1"/>
+              <a:t>s</a:t>
+            </a:r>
+            <a:r>
+              <a:rPr/>
+              <a:t>tatistics (little s)</a:t>
+            </a:r>
+          </a:p>
+          <a:p>
+            <a:pPr lvl="2"/>
+            <a:r>
+              <a:rPr b="1"/>
+              <a:t>S</a:t>
+            </a:r>
+            <a:r>
+              <a:rPr/>
+              <a:t>tatistics (big S) is a sub-field of applied mathematics and is concerned with analyzing data</a:t>
+            </a:r>
+          </a:p>
+          <a:p>
+            <a:pPr lvl="2"/>
+            <a:r>
+              <a:rPr b="1"/>
+              <a:t>s</a:t>
+            </a:r>
+            <a:r>
+              <a:rPr/>
+              <a:t>tatistics (little s) are numerical quantities calculated from a data set that provide important features about the data</a:t>
+            </a:r>
+          </a:p>
+          <a:p>
+            <a:pPr lvl="1"/>
+            <a:r>
+              <a:rPr/>
+              <a:t>In this presentation we define a number of descriptive </a:t>
+            </a:r>
+            <a:r>
+              <a:rPr b="1"/>
+              <a:t>s</a:t>
+            </a:r>
+            <a:r>
+              <a:rPr/>
+              <a:t>tatistics (little s)</a:t>
+            </a:r>
+          </a:p>
+          <a:p>
+            <a:pPr lvl="2"/>
+            <a:r>
+              <a:rPr/>
+              <a:t>Explain what important features they provide to help us understand our data</a:t>
+            </a:r>
+          </a:p>
+          <a:p>
+            <a:pPr lvl="2"/>
+            <a:r>
+              <a:rPr/>
+              <a:t>Show how they are calculated</a:t>
+            </a:r>
+          </a:p>
+          <a:p>
+            <a:pPr lvl="2"/>
+            <a:r>
+              <a:rPr/>
+              <a:t>Demonstrate how to compute them using Python</a:t>
+            </a:r>
+          </a:p>
+          <a:p>
+            <a:pPr lvl="1"/>
+            <a:r>
+              <a:rPr/>
+              <a:t>The big idea is that descriptive statistics allow us to reduce large data sets down to a few numerical measures - these measures give clues as to how to proceed in an analysis</a:t>
+            </a:r>
+          </a:p>
+        </p:txBody>
+      </p:sp>
+    </p:spTree>
+  </p:cSld>
+</p:sld>
+</file>
+
+<file path=ppt/slides/slide40.xml><?xml version="1.0" encoding="utf-8"?>
+<p:sld xmlns:a="http://schemas.openxmlformats.org/drawingml/2006/main" xmlns:r="http://schemas.openxmlformats.org/officeDocument/2006/relationships" xmlns:p="http://schemas.openxmlformats.org/presentationml/2006/main">
+  <p:cSld>
+    <p:spTree>
+      <p:nvGrpSpPr>
+        <p:cNvPr id="1" name=""/>
+        <p:cNvGrpSpPr/>
+        <p:nvPr/>
+      </p:nvGrpSpPr>
+      <p:grpSpPr>
+        <a:xfrm>
+          <a:off x="0" y="0"/>
+          <a:ext cx="0" cy="0"/>
+          <a:chOff x="0" y="0"/>
+          <a:chExt cx="0" cy="0"/>
+        </a:xfrm>
+      </p:grpSpPr>
+      <p:sp>
+        <p:nvSpPr>
+          <p:cNvPr id="2" name="Title 1"/>
+          <p:cNvSpPr>
+            <a:spLocks noGrp="1"/>
+          </p:cNvSpPr>
+          <p:nvPr>
+            <p:ph type="title"/>
+          </p:nvPr>
+        </p:nvSpPr>
+        <p:spPr>
+          <a:xfrm>
+            <a:off x="0" y="1173"/>
+            <a:ext cx="12192000" cy="921773"/>
+          </a:xfrm>
+        </p:spPr>
+        <p:txBody>
+          <a:bodyPr/>
+          <a:lstStyle/>
+          <a:p>
+            <a:pPr lvl="0" marL="0" indent="0">
+              <a:buNone/>
+            </a:pPr>
+            <a:r>
+              <a:rPr/>
+              <a:t>Correlation</a:t>
+            </a:r>
+          </a:p>
+        </p:txBody>
+      </p:sp>
+      <p:sp>
+        <p:nvSpPr>
+          <p:cNvPr id="3" name="Content Placeholder 2"/>
+          <p:cNvSpPr>
+            <a:spLocks noGrp="1"/>
+          </p:cNvSpPr>
+          <p:nvPr>
+            <p:ph idx="1"/>
+          </p:nvPr>
+        </p:nvSpPr>
+        <p:spPr/>
+        <p:txBody>
+          <a:bodyPr/>
+          <a:lstStyle/>
+          <a:p>
+            <a:pPr lvl="1"/>
+            <a:r>
+              <a:rPr/>
+              <a:t>To compute the correlations for the DataFrame </a:t>
+            </a:r>
+            <a:r>
+              <a:rPr sz="1800">
+                <a:latin typeface="Courier"/>
+              </a:rPr>
+              <a:t>df</a:t>
+            </a:r>
+            <a:r>
+              <a:rPr/>
+              <a:t> we created earlier we can use the </a:t>
+            </a:r>
+            <a:r>
+              <a:rPr sz="1800">
+                <a:latin typeface="Courier"/>
+              </a:rPr>
+              <a:t>corr()</a:t>
+            </a:r>
+            <a:r>
+              <a:rPr/>
+              <a:t> function from the pandas library</a:t>
+            </a:r>
+          </a:p>
+          <a:p>
+            <a:pPr lvl="0" marL="1270000" indent="0">
+              <a:buNone/>
+            </a:pPr>
+            <a:r>
+              <a:rPr sz="1800">
+                <a:latin typeface="Courier"/>
+              </a:rPr>
+              <a:t>df.corr()</a:t>
+            </a:r>
+          </a:p>
+          <a:p>
+            <a:pPr lvl="0" marL="1270000" indent="0">
+              <a:buNone/>
+            </a:pPr>
+            <a:r>
+              <a:rPr sz="1800">
+                <a:latin typeface="Courier"/>
+              </a:rPr>
+              <a:t>##              normal  lognormal
+## normal     1.000000   0.006417
+## lognormal  0.006417   1.000000</a:t>
+            </a:r>
+          </a:p>
+        </p:txBody>
+      </p:sp>
+    </p:spTree>
+  </p:cSld>
+</p:sld>
+</file>
+
 <file path=ppt/slides/slide41.xml><?xml version="1.0" encoding="utf-8"?>
 <p:sld xmlns:a="http://schemas.openxmlformats.org/drawingml/2006/main" xmlns:r="http://schemas.openxmlformats.org/officeDocument/2006/relationships" xmlns:p="http://schemas.openxmlformats.org/presentationml/2006/main">
   <p:cSld>
@@ -12461,6 +12483,22 @@
             </a:pPr>
             <a:r>
               <a:rPr/>
+              <a:t>Covariance</a:t>
+            </a:r>
+            <a:r>
+              <a:rPr/>
+              <a:t> </a:t>
+            </a:r>
+            <a:r>
+              <a:rPr/>
+              <a:t>and</a:t>
+            </a:r>
+            <a:r>
+              <a:rPr/>
+              <a:t> </a:t>
+            </a:r>
+            <a:r>
+              <a:rPr/>
               <a:t>Correlation</a:t>
             </a:r>
           </a:p>
@@ -12484,141 +12522,6 @@
             <a:pPr lvl="1"/>
             <a:r>
               <a:rPr/>
-              <a:t>To compute the correlations for the DataFrame </a:t>
-            </a:r>
-            <a:r>
-              <a:rPr sz="1800">
-                <a:latin typeface="Courier"/>
-              </a:rPr>
-              <a:t>df</a:t>
-            </a:r>
-            <a:r>
-              <a:rPr/>
-              <a:t> we created earlier we can use the </a:t>
-            </a:r>
-            <a:r>
-              <a:rPr sz="1800">
-                <a:latin typeface="Courier"/>
-              </a:rPr>
-              <a:t>corr()</a:t>
-            </a:r>
-            <a:r>
-              <a:rPr/>
-              <a:t> function from the pandas library</a:t>
-            </a:r>
-          </a:p>
-          <a:p>
-            <a:pPr lvl="0" marL="1270000" indent="0">
-              <a:buNone/>
-            </a:pPr>
-            <a:r>
-              <a:rPr sz="1800">
-                <a:latin typeface="Courier"/>
-              </a:rPr>
-              <a:t>df.corr()</a:t>
-            </a:r>
-          </a:p>
-          <a:p>
-            <a:pPr lvl="0" marL="1270000" indent="0">
-              <a:buNone/>
-            </a:pPr>
-            <a:r>
-              <a:rPr sz="1800">
-                <a:latin typeface="Courier"/>
-              </a:rPr>
-              <a:t>##              normal  lognormal
-## normal     1.000000   0.017248
-## lognormal  0.017248   1.000000</a:t>
-            </a:r>
-          </a:p>
-        </p:txBody>
-      </p:sp>
-    </p:spTree>
-  </p:cSld>
-</p:sld>
-</file>
-
-<file path=ppt/slides/slide42.xml><?xml version="1.0" encoding="utf-8"?>
-<p:sld xmlns:a="http://schemas.openxmlformats.org/drawingml/2006/main" xmlns:r="http://schemas.openxmlformats.org/officeDocument/2006/relationships" xmlns:p="http://schemas.openxmlformats.org/presentationml/2006/main">
-  <p:cSld>
-    <p:spTree>
-      <p:nvGrpSpPr>
-        <p:cNvPr id="1" name=""/>
-        <p:cNvGrpSpPr/>
-        <p:nvPr/>
-      </p:nvGrpSpPr>
-      <p:grpSpPr>
-        <a:xfrm>
-          <a:off x="0" y="0"/>
-          <a:ext cx="0" cy="0"/>
-          <a:chOff x="0" y="0"/>
-          <a:chExt cx="0" cy="0"/>
-        </a:xfrm>
-      </p:grpSpPr>
-      <p:sp>
-        <p:nvSpPr>
-          <p:cNvPr id="2" name="Title 1"/>
-          <p:cNvSpPr>
-            <a:spLocks noGrp="1"/>
-          </p:cNvSpPr>
-          <p:nvPr>
-            <p:ph type="title"/>
-          </p:nvPr>
-        </p:nvSpPr>
-        <p:spPr>
-          <a:xfrm>
-            <a:off x="0" y="1173"/>
-            <a:ext cx="12192000" cy="921773"/>
-          </a:xfrm>
-        </p:spPr>
-        <p:txBody>
-          <a:bodyPr/>
-          <a:lstStyle/>
-          <a:p>
-            <a:pPr lvl="0" marL="0" indent="0">
-              <a:buNone/>
-            </a:pPr>
-            <a:r>
-              <a:rPr/>
-              <a:t>Covariance</a:t>
-            </a:r>
-            <a:r>
-              <a:rPr/>
-              <a:t> </a:t>
-            </a:r>
-            <a:r>
-              <a:rPr/>
-              <a:t>and</a:t>
-            </a:r>
-            <a:r>
-              <a:rPr/>
-              <a:t> </a:t>
-            </a:r>
-            <a:r>
-              <a:rPr/>
-              <a:t>Correlation</a:t>
-            </a:r>
-          </a:p>
-        </p:txBody>
-      </p:sp>
-      <p:sp>
-        <p:nvSpPr>
-          <p:cNvPr id="3" name="Content Placeholder 2"/>
-          <p:cNvSpPr>
-            <a:spLocks noGrp="1"/>
-          </p:cNvSpPr>
-          <p:nvPr>
-            <p:ph idx="1"/>
-          </p:nvPr>
-        </p:nvSpPr>
-        <p:spPr/>
-        <p:txBody>
-          <a:bodyPr/>
-          <a:lstStyle/>
-          <a:p>
-            <a:pPr lvl="1"/>
-            <a:r>
-              <a:rPr/>
               <a:t>Finally, what if we wanted to compute the covariance ourselves?</a:t>
             </a:r>
           </a:p>
@@ -12957,7 +12860,7 @@
               <a:rPr sz="1800">
                 <a:latin typeface="Courier"/>
               </a:rPr>
-              <a:t>## 1.30385160446167e-08</a:t>
+              <a:t>## 2.7939677238464355e-09</a:t>
             </a:r>
           </a:p>
         </p:txBody>
